--- a/UI.pptx
+++ b/UI.pptx
@@ -104,6 +104,11 @@
       </a:defRPr>
     </a:lvl9pPr>
   </p:defaultTextStyle>
+  <p:extLst>
+    <p:ext uri="{EFAFB233-063F-42B5-8137-9DF3F51BA10A}">
+      <p15:sldGuideLst xmlns:p15="http://schemas.microsoft.com/office/powerpoint/2012/main"/>
+    </p:ext>
+  </p:extLst>
 </p:presentation>
 </file>
 
@@ -254,7 +259,7 @@
           <a:p>
             <a:fld id="{06DEA35B-E37B-4C16-8ECC-5A02A8DF038D}" type="datetimeFigureOut">
               <a:rPr lang="en-US" smtClean="0"/>
-              <a:t>09-Nov-22</a:t>
+              <a:t>16-Nov-22</a:t>
             </a:fld>
             <a:endParaRPr lang="en-US"/>
           </a:p>
@@ -452,7 +457,7 @@
           <a:p>
             <a:fld id="{06DEA35B-E37B-4C16-8ECC-5A02A8DF038D}" type="datetimeFigureOut">
               <a:rPr lang="en-US" smtClean="0"/>
-              <a:t>09-Nov-22</a:t>
+              <a:t>16-Nov-22</a:t>
             </a:fld>
             <a:endParaRPr lang="en-US"/>
           </a:p>
@@ -660,7 +665,7 @@
           <a:p>
             <a:fld id="{06DEA35B-E37B-4C16-8ECC-5A02A8DF038D}" type="datetimeFigureOut">
               <a:rPr lang="en-US" smtClean="0"/>
-              <a:t>09-Nov-22</a:t>
+              <a:t>16-Nov-22</a:t>
             </a:fld>
             <a:endParaRPr lang="en-US"/>
           </a:p>
@@ -858,7 +863,7 @@
           <a:p>
             <a:fld id="{06DEA35B-E37B-4C16-8ECC-5A02A8DF038D}" type="datetimeFigureOut">
               <a:rPr lang="en-US" smtClean="0"/>
-              <a:t>09-Nov-22</a:t>
+              <a:t>16-Nov-22</a:t>
             </a:fld>
             <a:endParaRPr lang="en-US"/>
           </a:p>
@@ -1133,7 +1138,7 @@
           <a:p>
             <a:fld id="{06DEA35B-E37B-4C16-8ECC-5A02A8DF038D}" type="datetimeFigureOut">
               <a:rPr lang="en-US" smtClean="0"/>
-              <a:t>09-Nov-22</a:t>
+              <a:t>16-Nov-22</a:t>
             </a:fld>
             <a:endParaRPr lang="en-US"/>
           </a:p>
@@ -1398,7 +1403,7 @@
           <a:p>
             <a:fld id="{06DEA35B-E37B-4C16-8ECC-5A02A8DF038D}" type="datetimeFigureOut">
               <a:rPr lang="en-US" smtClean="0"/>
-              <a:t>09-Nov-22</a:t>
+              <a:t>16-Nov-22</a:t>
             </a:fld>
             <a:endParaRPr lang="en-US"/>
           </a:p>
@@ -1810,7 +1815,7 @@
           <a:p>
             <a:fld id="{06DEA35B-E37B-4C16-8ECC-5A02A8DF038D}" type="datetimeFigureOut">
               <a:rPr lang="en-US" smtClean="0"/>
-              <a:t>09-Nov-22</a:t>
+              <a:t>16-Nov-22</a:t>
             </a:fld>
             <a:endParaRPr lang="en-US"/>
           </a:p>
@@ -1951,7 +1956,7 @@
           <a:p>
             <a:fld id="{06DEA35B-E37B-4C16-8ECC-5A02A8DF038D}" type="datetimeFigureOut">
               <a:rPr lang="en-US" smtClean="0"/>
-              <a:t>09-Nov-22</a:t>
+              <a:t>16-Nov-22</a:t>
             </a:fld>
             <a:endParaRPr lang="en-US"/>
           </a:p>
@@ -2064,7 +2069,7 @@
           <a:p>
             <a:fld id="{06DEA35B-E37B-4C16-8ECC-5A02A8DF038D}" type="datetimeFigureOut">
               <a:rPr lang="en-US" smtClean="0"/>
-              <a:t>09-Nov-22</a:t>
+              <a:t>16-Nov-22</a:t>
             </a:fld>
             <a:endParaRPr lang="en-US"/>
           </a:p>
@@ -2375,7 +2380,7 @@
           <a:p>
             <a:fld id="{06DEA35B-E37B-4C16-8ECC-5A02A8DF038D}" type="datetimeFigureOut">
               <a:rPr lang="en-US" smtClean="0"/>
-              <a:t>09-Nov-22</a:t>
+              <a:t>16-Nov-22</a:t>
             </a:fld>
             <a:endParaRPr lang="en-US"/>
           </a:p>
@@ -2663,7 +2668,7 @@
           <a:p>
             <a:fld id="{06DEA35B-E37B-4C16-8ECC-5A02A8DF038D}" type="datetimeFigureOut">
               <a:rPr lang="en-US" smtClean="0"/>
-              <a:t>09-Nov-22</a:t>
+              <a:t>16-Nov-22</a:t>
             </a:fld>
             <a:endParaRPr lang="en-US"/>
           </a:p>
@@ -2904,7 +2909,7 @@
           <a:p>
             <a:fld id="{06DEA35B-E37B-4C16-8ECC-5A02A8DF038D}" type="datetimeFigureOut">
               <a:rPr lang="en-US" smtClean="0"/>
-              <a:t>09-Nov-22</a:t>
+              <a:t>16-Nov-22</a:t>
             </a:fld>
             <a:endParaRPr lang="en-US"/>
           </a:p>
@@ -3453,8 +3458,8 @@
         </p:blipFill>
         <p:spPr>
           <a:xfrm>
-            <a:off x="7305472" y="3149602"/>
-            <a:ext cx="5087566" cy="3888205"/>
+            <a:off x="7278255" y="4006927"/>
+            <a:ext cx="5107709" cy="2973807"/>
           </a:xfrm>
           <a:prstGeom prst="rect">
             <a:avLst/>
@@ -3586,7 +3591,7 @@
         </p:nvSpPr>
         <p:spPr>
           <a:xfrm>
-            <a:off x="8529503" y="3822261"/>
+            <a:off x="8512357" y="4542687"/>
             <a:ext cx="2639504" cy="369332"/>
           </a:xfrm>
           <a:prstGeom prst="rect">
@@ -3618,6 +3623,165 @@
               </a:solidFill>
               <a:latin typeface="Avant_G-Bold" panose="020B0500000000000000" pitchFamily="34" charset="0"/>
             </a:endParaRPr>
+          </a:p>
+        </p:txBody>
+      </p:sp>
+      <p:sp>
+        <p:nvSpPr>
+          <p:cNvPr id="3" name="Rectangle 2">
+            <a:extLst>
+              <a:ext uri="{FF2B5EF4-FFF2-40B4-BE49-F238E27FC236}">
+                <a16:creationId xmlns:a16="http://schemas.microsoft.com/office/drawing/2014/main" id="{594E4720-D8EF-41D0-3971-2135D3F4BAF2}"/>
+              </a:ext>
+            </a:extLst>
+          </p:cNvPr>
+          <p:cNvSpPr/>
+          <p:nvPr/>
+        </p:nvSpPr>
+        <p:spPr>
+          <a:xfrm>
+            <a:off x="350645" y="147776"/>
+            <a:ext cx="11490710" cy="707886"/>
+          </a:xfrm>
+          <a:prstGeom prst="rect">
+            <a:avLst/>
+          </a:prstGeom>
+          <a:noFill/>
+          <a:ln>
+            <a:noFill/>
+          </a:ln>
+        </p:spPr>
+        <p:txBody>
+          <a:bodyPr wrap="none" lIns="91440" tIns="45720" rIns="91440" bIns="45720">
+            <a:spAutoFit/>
+          </a:bodyPr>
+          <a:lstStyle/>
+          <a:p>
+            <a:pPr algn="ctr"/>
+            <a:r>
+              <a:rPr lang="en-US" sz="4000" i="1" cap="none" spc="0" dirty="0">
+                <a:ln w="38100">
+                  <a:solidFill>
+                    <a:srgbClr val="7030A0"/>
+                  </a:solidFill>
+                  <a:prstDash val="solid"/>
+                </a:ln>
+                <a:solidFill>
+                  <a:srgbClr val="FFFFFF"/>
+                </a:solidFill>
+                <a:effectLst>
+                  <a:outerShdw blurRad="63500" sx="102000" sy="102000" algn="ctr" rotWithShape="0">
+                    <a:prstClr val="black">
+                      <a:alpha val="40000"/>
+                    </a:prstClr>
+                  </a:outerShdw>
+                </a:effectLst>
+                <a:latin typeface="Gill Sans Ultra Bold" panose="020B0A02020104020203" pitchFamily="34" charset="0"/>
+              </a:rPr>
+              <a:t>INTELLIGENT CAR PARKING SYSTEM</a:t>
+            </a:r>
+          </a:p>
+        </p:txBody>
+      </p:sp>
+      <p:sp>
+        <p:nvSpPr>
+          <p:cNvPr id="4" name="Rectangle 3">
+            <a:extLst>
+              <a:ext uri="{FF2B5EF4-FFF2-40B4-BE49-F238E27FC236}">
+                <a16:creationId xmlns:a16="http://schemas.microsoft.com/office/drawing/2014/main" id="{3FA847DD-C49C-A8C3-B7CB-610C4C45C77B}"/>
+              </a:ext>
+            </a:extLst>
+          </p:cNvPr>
+          <p:cNvSpPr/>
+          <p:nvPr/>
+        </p:nvSpPr>
+        <p:spPr>
+          <a:xfrm>
+            <a:off x="8092560" y="1235933"/>
+            <a:ext cx="2347117" cy="584775"/>
+          </a:xfrm>
+          <a:prstGeom prst="rect">
+            <a:avLst/>
+          </a:prstGeom>
+          <a:noFill/>
+        </p:spPr>
+        <p:txBody>
+          <a:bodyPr wrap="none" lIns="91440" tIns="45720" rIns="91440" bIns="45720">
+            <a:spAutoFit/>
+          </a:bodyPr>
+          <a:lstStyle/>
+          <a:p>
+            <a:pPr algn="ctr"/>
+            <a:r>
+              <a:rPr lang="en-US" sz="3200" b="0" cap="none" spc="0" dirty="0">
+                <a:ln w="0"/>
+                <a:solidFill>
+                  <a:schemeClr val="accent1">
+                    <a:lumMod val="75000"/>
+                  </a:schemeClr>
+                </a:solidFill>
+                <a:effectLst>
+                  <a:outerShdw blurRad="38100" dist="19050" dir="2700000" algn="tl" rotWithShape="0">
+                    <a:schemeClr val="dk1">
+                      <a:alpha val="40000"/>
+                    </a:schemeClr>
+                  </a:outerShdw>
+                </a:effectLst>
+                <a:latin typeface="Waterlily" panose="00000500000000000000" pitchFamily="2" charset="0"/>
+              </a:rPr>
+              <a:t>Total Slots : </a:t>
+            </a:r>
+          </a:p>
+        </p:txBody>
+      </p:sp>
+      <p:sp>
+        <p:nvSpPr>
+          <p:cNvPr id="10" name="Rectangle 9">
+            <a:extLst>
+              <a:ext uri="{FF2B5EF4-FFF2-40B4-BE49-F238E27FC236}">
+                <a16:creationId xmlns:a16="http://schemas.microsoft.com/office/drawing/2014/main" id="{490ADD3F-510A-C32B-0D0E-7BDA92511C02}"/>
+              </a:ext>
+            </a:extLst>
+          </p:cNvPr>
+          <p:cNvSpPr/>
+          <p:nvPr/>
+        </p:nvSpPr>
+        <p:spPr>
+          <a:xfrm>
+            <a:off x="8174313" y="1820708"/>
+            <a:ext cx="2214068" cy="584775"/>
+          </a:xfrm>
+          <a:prstGeom prst="rect">
+            <a:avLst/>
+          </a:prstGeom>
+          <a:noFill/>
+        </p:spPr>
+        <p:txBody>
+          <a:bodyPr wrap="none" lIns="91440" tIns="45720" rIns="91440" bIns="45720">
+            <a:spAutoFit/>
+          </a:bodyPr>
+          <a:lstStyle/>
+          <a:p>
+            <a:pPr algn="ctr"/>
+            <a:r>
+              <a:rPr lang="en-US" sz="3200" b="0" cap="none" spc="0" dirty="0">
+                <a:ln w="0"/>
+                <a:solidFill>
+                  <a:schemeClr val="accent1">
+                    <a:lumMod val="75000"/>
+                  </a:schemeClr>
+                </a:solidFill>
+                <a:effectLst>
+                  <a:outerShdw blurRad="38100" dist="19050" dir="2700000" algn="tl" rotWithShape="0">
+                    <a:schemeClr val="dk1">
+                      <a:alpha val="40000"/>
+                    </a:schemeClr>
+                  </a:outerShdw>
+                </a:effectLst>
+                <a:latin typeface="Waterlily" panose="00000500000000000000" pitchFamily="2" charset="0"/>
+              </a:rPr>
+              <a:t>Free Slots : </a:t>
+            </a:r>
           </a:p>
         </p:txBody>
       </p:sp>

--- a/UI.pptx
+++ b/UI.pptx
@@ -259,7 +259,7 @@
           <a:p>
             <a:fld id="{06DEA35B-E37B-4C16-8ECC-5A02A8DF038D}" type="datetimeFigureOut">
               <a:rPr lang="en-US" smtClean="0"/>
-              <a:t>16-Nov-22</a:t>
+              <a:t>13-Mar-23</a:t>
             </a:fld>
             <a:endParaRPr lang="en-US"/>
           </a:p>
@@ -457,7 +457,7 @@
           <a:p>
             <a:fld id="{06DEA35B-E37B-4C16-8ECC-5A02A8DF038D}" type="datetimeFigureOut">
               <a:rPr lang="en-US" smtClean="0"/>
-              <a:t>16-Nov-22</a:t>
+              <a:t>13-Mar-23</a:t>
             </a:fld>
             <a:endParaRPr lang="en-US"/>
           </a:p>
@@ -665,7 +665,7 @@
           <a:p>
             <a:fld id="{06DEA35B-E37B-4C16-8ECC-5A02A8DF038D}" type="datetimeFigureOut">
               <a:rPr lang="en-US" smtClean="0"/>
-              <a:t>16-Nov-22</a:t>
+              <a:t>13-Mar-23</a:t>
             </a:fld>
             <a:endParaRPr lang="en-US"/>
           </a:p>
@@ -863,7 +863,7 @@
           <a:p>
             <a:fld id="{06DEA35B-E37B-4C16-8ECC-5A02A8DF038D}" type="datetimeFigureOut">
               <a:rPr lang="en-US" smtClean="0"/>
-              <a:t>16-Nov-22</a:t>
+              <a:t>13-Mar-23</a:t>
             </a:fld>
             <a:endParaRPr lang="en-US"/>
           </a:p>
@@ -1138,7 +1138,7 @@
           <a:p>
             <a:fld id="{06DEA35B-E37B-4C16-8ECC-5A02A8DF038D}" type="datetimeFigureOut">
               <a:rPr lang="en-US" smtClean="0"/>
-              <a:t>16-Nov-22</a:t>
+              <a:t>13-Mar-23</a:t>
             </a:fld>
             <a:endParaRPr lang="en-US"/>
           </a:p>
@@ -1403,7 +1403,7 @@
           <a:p>
             <a:fld id="{06DEA35B-E37B-4C16-8ECC-5A02A8DF038D}" type="datetimeFigureOut">
               <a:rPr lang="en-US" smtClean="0"/>
-              <a:t>16-Nov-22</a:t>
+              <a:t>13-Mar-23</a:t>
             </a:fld>
             <a:endParaRPr lang="en-US"/>
           </a:p>
@@ -1815,7 +1815,7 @@
           <a:p>
             <a:fld id="{06DEA35B-E37B-4C16-8ECC-5A02A8DF038D}" type="datetimeFigureOut">
               <a:rPr lang="en-US" smtClean="0"/>
-              <a:t>16-Nov-22</a:t>
+              <a:t>13-Mar-23</a:t>
             </a:fld>
             <a:endParaRPr lang="en-US"/>
           </a:p>
@@ -1956,7 +1956,7 @@
           <a:p>
             <a:fld id="{06DEA35B-E37B-4C16-8ECC-5A02A8DF038D}" type="datetimeFigureOut">
               <a:rPr lang="en-US" smtClean="0"/>
-              <a:t>16-Nov-22</a:t>
+              <a:t>13-Mar-23</a:t>
             </a:fld>
             <a:endParaRPr lang="en-US"/>
           </a:p>
@@ -2069,7 +2069,7 @@
           <a:p>
             <a:fld id="{06DEA35B-E37B-4C16-8ECC-5A02A8DF038D}" type="datetimeFigureOut">
               <a:rPr lang="en-US" smtClean="0"/>
-              <a:t>16-Nov-22</a:t>
+              <a:t>13-Mar-23</a:t>
             </a:fld>
             <a:endParaRPr lang="en-US"/>
           </a:p>
@@ -2380,7 +2380,7 @@
           <a:p>
             <a:fld id="{06DEA35B-E37B-4C16-8ECC-5A02A8DF038D}" type="datetimeFigureOut">
               <a:rPr lang="en-US" smtClean="0"/>
-              <a:t>16-Nov-22</a:t>
+              <a:t>13-Mar-23</a:t>
             </a:fld>
             <a:endParaRPr lang="en-US"/>
           </a:p>
@@ -2668,7 +2668,7 @@
           <a:p>
             <a:fld id="{06DEA35B-E37B-4C16-8ECC-5A02A8DF038D}" type="datetimeFigureOut">
               <a:rPr lang="en-US" smtClean="0"/>
-              <a:t>16-Nov-22</a:t>
+              <a:t>13-Mar-23</a:t>
             </a:fld>
             <a:endParaRPr lang="en-US"/>
           </a:p>
@@ -2909,7 +2909,7 @@
           <a:p>
             <a:fld id="{06DEA35B-E37B-4C16-8ECC-5A02A8DF038D}" type="datetimeFigureOut">
               <a:rPr lang="en-US" smtClean="0"/>
-              <a:t>16-Nov-22</a:t>
+              <a:t>13-Mar-23</a:t>
             </a:fld>
             <a:endParaRPr lang="en-US"/>
           </a:p>
@@ -3422,44 +3422,8 @@
         </p:blipFill>
         <p:spPr>
           <a:xfrm>
-            <a:off x="-1" y="1191492"/>
+            <a:off x="807398" y="1191492"/>
             <a:ext cx="7509754" cy="5846315"/>
-          </a:xfrm>
-          <a:prstGeom prst="rect">
-            <a:avLst/>
-          </a:prstGeom>
-        </p:spPr>
-      </p:pic>
-      <p:pic>
-        <p:nvPicPr>
-          <p:cNvPr id="11" name="Picture 10">
-            <a:extLst>
-              <a:ext uri="{FF2B5EF4-FFF2-40B4-BE49-F238E27FC236}">
-                <a16:creationId xmlns:a16="http://schemas.microsoft.com/office/drawing/2014/main" id="{657E4873-D4A6-E729-F7F7-F06380D4F0B5}"/>
-              </a:ext>
-            </a:extLst>
-          </p:cNvPr>
-          <p:cNvPicPr>
-            <a:picLocks noChangeAspect="1"/>
-          </p:cNvPicPr>
-          <p:nvPr/>
-        </p:nvPicPr>
-        <p:blipFill>
-          <a:blip r:embed="rId3">
-            <a:extLst>
-              <a:ext uri="{28A0092B-C50C-407E-A947-70E740481C1C}">
-                <a14:useLocalDpi xmlns:a14="http://schemas.microsoft.com/office/drawing/2010/main" val="0"/>
-              </a:ext>
-            </a:extLst>
-          </a:blip>
-          <a:stretch>
-            <a:fillRect/>
-          </a:stretch>
-        </p:blipFill>
-        <p:spPr>
-          <a:xfrm>
-            <a:off x="7278255" y="4006927"/>
-            <a:ext cx="5107709" cy="2973807"/>
           </a:xfrm>
           <a:prstGeom prst="rect">
             <a:avLst/>
@@ -3480,7 +3444,7 @@
         </p:nvGrpSpPr>
         <p:grpSpPr>
           <a:xfrm>
-            <a:off x="1782079" y="759556"/>
+            <a:off x="2589478" y="759556"/>
             <a:ext cx="3945594" cy="646331"/>
             <a:chOff x="2287387" y="769293"/>
             <a:chExt cx="3945594" cy="646331"/>
@@ -3501,7 +3465,7 @@
             <p:nvPr/>
           </p:nvPicPr>
           <p:blipFill>
-            <a:blip r:embed="rId4">
+            <a:blip r:embed="rId3">
               <a:extLst>
                 <a:ext uri="{28A0092B-C50C-407E-A947-70E740481C1C}">
                   <a14:useLocalDpi xmlns:a14="http://schemas.microsoft.com/office/drawing/2010/main" val="0"/>
@@ -3579,55 +3543,6 @@
       </p:grpSp>
       <p:sp>
         <p:nvSpPr>
-          <p:cNvPr id="8" name="Rectangle 7">
-            <a:extLst>
-              <a:ext uri="{FF2B5EF4-FFF2-40B4-BE49-F238E27FC236}">
-                <a16:creationId xmlns:a16="http://schemas.microsoft.com/office/drawing/2014/main" id="{AE7A1CFA-2FA5-92C8-32AC-9BF0DC188A0E}"/>
-              </a:ext>
-            </a:extLst>
-          </p:cNvPr>
-          <p:cNvSpPr/>
-          <p:nvPr/>
-        </p:nvSpPr>
-        <p:spPr>
-          <a:xfrm>
-            <a:off x="8512357" y="4542687"/>
-            <a:ext cx="2639504" cy="369332"/>
-          </a:xfrm>
-          <a:prstGeom prst="rect">
-            <a:avLst/>
-          </a:prstGeom>
-          <a:noFill/>
-        </p:spPr>
-        <p:txBody>
-          <a:bodyPr wrap="none" lIns="91440" tIns="45720" rIns="91440" bIns="45720">
-            <a:spAutoFit/>
-          </a:bodyPr>
-          <a:lstStyle/>
-          <a:p>
-            <a:pPr algn="ctr"/>
-            <a:r>
-              <a:rPr lang="en-US" spc="300" dirty="0">
-                <a:ln w="0"/>
-                <a:solidFill>
-                  <a:srgbClr val="7030A0"/>
-                </a:solidFill>
-                <a:latin typeface="Avant_G-Bold" panose="020B0500000000000000" pitchFamily="34" charset="0"/>
-              </a:rPr>
-              <a:t>AVAILABLE SPACES</a:t>
-            </a:r>
-            <a:endParaRPr lang="en-US" cap="none" spc="300" dirty="0">
-              <a:ln w="0"/>
-              <a:solidFill>
-                <a:srgbClr val="7030A0"/>
-              </a:solidFill>
-              <a:latin typeface="Avant_G-Bold" panose="020B0500000000000000" pitchFamily="34" charset="0"/>
-            </a:endParaRPr>
-          </a:p>
-        </p:txBody>
-      </p:sp>
-      <p:sp>
-        <p:nvSpPr>
           <p:cNvPr id="3" name="Rectangle 2">
             <a:extLst>
               <a:ext uri="{FF2B5EF4-FFF2-40B4-BE49-F238E27FC236}">
@@ -3697,7 +3612,7 @@
         </p:nvSpPr>
         <p:spPr>
           <a:xfrm>
-            <a:off x="8092560" y="1235933"/>
+            <a:off x="8520573" y="2948004"/>
             <a:ext cx="2347117" cy="584775"/>
           </a:xfrm>
           <a:prstGeom prst="rect">
@@ -3748,7 +3663,7 @@
         </p:nvSpPr>
         <p:spPr>
           <a:xfrm>
-            <a:off x="8174313" y="1820708"/>
+            <a:off x="8602326" y="3532779"/>
             <a:ext cx="2214068" cy="584775"/>
           </a:xfrm>
           <a:prstGeom prst="rect">
